--- a/lessons/GitHub/github_presentation.pptx
+++ b/lessons/GitHub/github_presentation.pptx
@@ -5,14 +5,15 @@
     <p:sldMasterId id="2147483660" r:id="rId1"/>
   </p:sldMasterIdLst>
   <p:notesMasterIdLst>
-    <p:notesMasterId r:id="rId7"/>
+    <p:notesMasterId r:id="rId8"/>
   </p:notesMasterIdLst>
   <p:sldIdLst>
     <p:sldId id="256" r:id="rId2"/>
-    <p:sldId id="257" r:id="rId3"/>
-    <p:sldId id="258" r:id="rId4"/>
-    <p:sldId id="259" r:id="rId5"/>
-    <p:sldId id="260" r:id="rId6"/>
+    <p:sldId id="261" r:id="rId3"/>
+    <p:sldId id="257" r:id="rId4"/>
+    <p:sldId id="258" r:id="rId5"/>
+    <p:sldId id="259" r:id="rId6"/>
+    <p:sldId id="260" r:id="rId7"/>
   </p:sldIdLst>
   <p:sldSz cx="9144000" cy="6858000" type="screen4x3"/>
   <p:notesSz cx="6858000" cy="9144000"/>
@@ -130,6 +131,18 @@
 </p:presentation>
 </file>
 
+<file path=ppt/commentAuthors.xml><?xml version="1.0" encoding="utf-8"?>
+<p:cmAuthorLst xmlns:a="http://schemas.openxmlformats.org/drawingml/2006/main" xmlns:r="http://schemas.openxmlformats.org/officeDocument/2006/relationships" xmlns:p="http://schemas.openxmlformats.org/presentationml/2006/main">
+  <p:cmAuthor id="1" name="Haycen" initials="H" lastIdx="1" clrIdx="0">
+    <p:extLst>
+      <p:ext uri="{19B8F6BF-5375-455C-9EA6-DF929625EA0E}">
+        <p15:presenceInfo xmlns:p15="http://schemas.microsoft.com/office/powerpoint/2012/main" userId="Haycen" providerId="None"/>
+      </p:ext>
+    </p:extLst>
+  </p:cmAuthor>
+</p:cmAuthorLst>
+</file>
+
 <file path=ppt/notesMasters/notesMaster1.xml><?xml version="1.0" encoding="utf-8"?>
 <p:notesMaster xmlns:a="http://schemas.openxmlformats.org/drawingml/2006/main" xmlns:r="http://schemas.openxmlformats.org/officeDocument/2006/relationships" xmlns:p="http://schemas.openxmlformats.org/presentationml/2006/main">
   <p:cSld>
@@ -212,7 +225,7 @@
           <a:p>
             <a:fld id="{25A5B662-8B12-414F-89FE-E69BE599024F}" type="datetimeFigureOut">
               <a:rPr lang="fr-CA" smtClean="0"/>
-              <a:t>2017-02-09</a:t>
+              <a:t>2017-02-10</a:t>
             </a:fld>
             <a:endParaRPr lang="fr-CA"/>
           </a:p>
@@ -601,7 +614,7 @@
           <a:p>
             <a:fld id="{058D32CF-55EE-4235-A924-32BEBFBDB942}" type="slidenum">
               <a:rPr lang="fr-CA" smtClean="0"/>
-              <a:t>2</a:t>
+              <a:t>3</a:t>
             </a:fld>
             <a:endParaRPr lang="fr-CA"/>
           </a:p>
@@ -751,7 +764,7 @@
           <a:p>
             <a:fld id="{470D5EB8-B452-42A0-85A4-CBB910AFD864}" type="datetimeFigureOut">
               <a:rPr lang="fr-CA" smtClean="0"/>
-              <a:t>2017-02-08</a:t>
+              <a:t>2017-02-10</a:t>
             </a:fld>
             <a:endParaRPr lang="fr-CA"/>
           </a:p>
@@ -921,7 +934,7 @@
           <a:p>
             <a:fld id="{470D5EB8-B452-42A0-85A4-CBB910AFD864}" type="datetimeFigureOut">
               <a:rPr lang="fr-CA" smtClean="0"/>
-              <a:t>2017-02-08</a:t>
+              <a:t>2017-02-10</a:t>
             </a:fld>
             <a:endParaRPr lang="fr-CA"/>
           </a:p>
@@ -1101,7 +1114,7 @@
           <a:p>
             <a:fld id="{470D5EB8-B452-42A0-85A4-CBB910AFD864}" type="datetimeFigureOut">
               <a:rPr lang="fr-CA" smtClean="0"/>
-              <a:t>2017-02-08</a:t>
+              <a:t>2017-02-10</a:t>
             </a:fld>
             <a:endParaRPr lang="fr-CA"/>
           </a:p>
@@ -1271,7 +1284,7 @@
           <a:p>
             <a:fld id="{470D5EB8-B452-42A0-85A4-CBB910AFD864}" type="datetimeFigureOut">
               <a:rPr lang="fr-CA" smtClean="0"/>
-              <a:t>2017-02-08</a:t>
+              <a:t>2017-02-10</a:t>
             </a:fld>
             <a:endParaRPr lang="fr-CA"/>
           </a:p>
@@ -1515,7 +1528,7 @@
           <a:p>
             <a:fld id="{470D5EB8-B452-42A0-85A4-CBB910AFD864}" type="datetimeFigureOut">
               <a:rPr lang="fr-CA" smtClean="0"/>
-              <a:t>2017-02-08</a:t>
+              <a:t>2017-02-10</a:t>
             </a:fld>
             <a:endParaRPr lang="fr-CA"/>
           </a:p>
@@ -1747,7 +1760,7 @@
           <a:p>
             <a:fld id="{470D5EB8-B452-42A0-85A4-CBB910AFD864}" type="datetimeFigureOut">
               <a:rPr lang="fr-CA" smtClean="0"/>
-              <a:t>2017-02-08</a:t>
+              <a:t>2017-02-10</a:t>
             </a:fld>
             <a:endParaRPr lang="fr-CA"/>
           </a:p>
@@ -2114,7 +2127,7 @@
           <a:p>
             <a:fld id="{470D5EB8-B452-42A0-85A4-CBB910AFD864}" type="datetimeFigureOut">
               <a:rPr lang="fr-CA" smtClean="0"/>
-              <a:t>2017-02-08</a:t>
+              <a:t>2017-02-10</a:t>
             </a:fld>
             <a:endParaRPr lang="fr-CA"/>
           </a:p>
@@ -2232,7 +2245,7 @@
           <a:p>
             <a:fld id="{470D5EB8-B452-42A0-85A4-CBB910AFD864}" type="datetimeFigureOut">
               <a:rPr lang="fr-CA" smtClean="0"/>
-              <a:t>2017-02-08</a:t>
+              <a:t>2017-02-10</a:t>
             </a:fld>
             <a:endParaRPr lang="fr-CA"/>
           </a:p>
@@ -2327,7 +2340,7 @@
           <a:p>
             <a:fld id="{470D5EB8-B452-42A0-85A4-CBB910AFD864}" type="datetimeFigureOut">
               <a:rPr lang="fr-CA" smtClean="0"/>
-              <a:t>2017-02-08</a:t>
+              <a:t>2017-02-10</a:t>
             </a:fld>
             <a:endParaRPr lang="fr-CA"/>
           </a:p>
@@ -2604,7 +2617,7 @@
           <a:p>
             <a:fld id="{470D5EB8-B452-42A0-85A4-CBB910AFD864}" type="datetimeFigureOut">
               <a:rPr lang="fr-CA" smtClean="0"/>
-              <a:t>2017-02-08</a:t>
+              <a:t>2017-02-10</a:t>
             </a:fld>
             <a:endParaRPr lang="fr-CA"/>
           </a:p>
@@ -2861,7 +2874,7 @@
           <a:p>
             <a:fld id="{470D5EB8-B452-42A0-85A4-CBB910AFD864}" type="datetimeFigureOut">
               <a:rPr lang="fr-CA" smtClean="0"/>
-              <a:t>2017-02-08</a:t>
+              <a:t>2017-02-10</a:t>
             </a:fld>
             <a:endParaRPr lang="fr-CA"/>
           </a:p>
@@ -3074,7 +3087,7 @@
           <a:p>
             <a:fld id="{470D5EB8-B452-42A0-85A4-CBB910AFD864}" type="datetimeFigureOut">
               <a:rPr lang="fr-CA" smtClean="0"/>
-              <a:t>2017-02-08</a:t>
+              <a:t>2017-02-10</a:t>
             </a:fld>
             <a:endParaRPr lang="fr-CA"/>
           </a:p>
@@ -3479,11 +3492,98 @@
           <a:chExt cx="0" cy="0"/>
         </a:xfrm>
       </p:grpSpPr>
+      <p:sp>
+        <p:nvSpPr>
+          <p:cNvPr id="2" name="ZoneTexte 1"/>
+          <p:cNvSpPr txBox="1"/>
+          <p:nvPr/>
+        </p:nvSpPr>
+        <p:spPr>
+          <a:xfrm>
+            <a:off x="2212443" y="5983100"/>
+            <a:ext cx="4719112" cy="461665"/>
+          </a:xfrm>
+          <a:prstGeom prst="rect">
+            <a:avLst/>
+          </a:prstGeom>
+          <a:noFill/>
+        </p:spPr>
+        <p:txBody>
+          <a:bodyPr wrap="none" rtlCol="0">
+            <a:spAutoFit/>
+          </a:bodyPr>
+          <a:lstStyle/>
+          <a:p>
+            <a:r>
+              <a:rPr lang="fr-CA" sz="2400" b="1" dirty="0"/>
+              <a:t>IOF/</a:t>
+            </a:r>
+            <a:r>
+              <a:rPr lang="fr-CA" sz="2400" b="1" dirty="0" err="1"/>
+              <a:t>Biodiv</a:t>
+            </a:r>
+            <a:r>
+              <a:rPr lang="fr-CA" sz="2400" b="1" dirty="0"/>
+              <a:t> </a:t>
+            </a:r>
+            <a:r>
+              <a:rPr lang="fr-CA" sz="2400" b="1" dirty="0" err="1"/>
+              <a:t>Informatics</a:t>
+            </a:r>
+            <a:r>
+              <a:rPr lang="fr-CA" sz="2400" b="1" dirty="0"/>
+              <a:t> </a:t>
+            </a:r>
+            <a:r>
+              <a:rPr lang="fr-CA" sz="2400" b="1" dirty="0" err="1"/>
+              <a:t>Study</a:t>
+            </a:r>
+            <a:r>
+              <a:rPr lang="fr-CA" sz="2400" b="1" dirty="0"/>
+              <a:t> Group</a:t>
+            </a:r>
+          </a:p>
+        </p:txBody>
+      </p:sp>
+      <p:sp>
+        <p:nvSpPr>
+          <p:cNvPr id="4" name="ZoneTexte 3"/>
+          <p:cNvSpPr txBox="1"/>
+          <p:nvPr/>
+        </p:nvSpPr>
+        <p:spPr>
+          <a:xfrm>
+            <a:off x="3509048" y="5299654"/>
+            <a:ext cx="2125903" cy="461665"/>
+          </a:xfrm>
+          <a:prstGeom prst="rect">
+            <a:avLst/>
+          </a:prstGeom>
+          <a:noFill/>
+        </p:spPr>
+        <p:txBody>
+          <a:bodyPr wrap="none" rtlCol="0">
+            <a:spAutoFit/>
+          </a:bodyPr>
+          <a:lstStyle/>
+          <a:p>
+            <a:r>
+              <a:rPr lang="fr-CA" sz="2400" b="1" dirty="0" smtClean="0"/>
+              <a:t>Hassen </a:t>
+            </a:r>
+            <a:r>
+              <a:rPr lang="fr-CA" sz="2400" b="1" dirty="0" err="1" smtClean="0"/>
+              <a:t>Allegue</a:t>
+            </a:r>
+            <a:endParaRPr lang="fr-CA" sz="2400" b="1" dirty="0"/>
+          </a:p>
+        </p:txBody>
+      </p:sp>
       <p:pic>
         <p:nvPicPr>
-          <p:cNvPr id="5" name="Image 4"/>
+          <p:cNvPr id="1026" name="Picture 2" descr="Related image"/>
           <p:cNvPicPr>
-            <a:picLocks noChangeAspect="1"/>
+            <a:picLocks noChangeAspect="1" noChangeArrowheads="1"/>
           </p:cNvPicPr>
           <p:nvPr/>
         </p:nvPicPr>
@@ -3495,18 +3595,29 @@
               </a:ext>
             </a:extLst>
           </a:blip>
+          <a:srcRect/>
           <a:stretch>
             <a:fillRect/>
           </a:stretch>
         </p:blipFill>
-        <p:spPr>
+        <p:spPr bwMode="auto">
           <a:xfrm>
-            <a:off x="1514475" y="1055727"/>
-            <a:ext cx="6115050" cy="5083135"/>
+            <a:off x="587741" y="1158519"/>
+            <a:ext cx="7968517" cy="3151993"/>
           </a:xfrm>
           <a:prstGeom prst="rect">
             <a:avLst/>
           </a:prstGeom>
+          <a:noFill/>
+          <a:extLst>
+            <a:ext uri="{909E8E84-426E-40DD-AFC4-6F175D3DCCD1}">
+              <a14:hiddenFill xmlns:a14="http://schemas.microsoft.com/office/drawing/2010/main">
+                <a:solidFill>
+                  <a:srgbClr val="FFFFFF"/>
+                </a:solidFill>
+              </a14:hiddenFill>
+            </a:ext>
+          </a:extLst>
         </p:spPr>
       </p:pic>
     </p:spTree>
@@ -3530,6 +3641,128 @@
 </file>
 
 <file path=ppt/slides/slide2.xml><?xml version="1.0" encoding="utf-8"?>
+<p:sld xmlns:a="http://schemas.openxmlformats.org/drawingml/2006/main" xmlns:r="http://schemas.openxmlformats.org/officeDocument/2006/relationships" xmlns:p="http://schemas.openxmlformats.org/presentationml/2006/main">
+  <p:cSld>
+    <p:spTree>
+      <p:nvGrpSpPr>
+        <p:cNvPr id="1" name=""/>
+        <p:cNvGrpSpPr/>
+        <p:nvPr/>
+      </p:nvGrpSpPr>
+      <p:grpSpPr>
+        <a:xfrm>
+          <a:off x="0" y="0"/>
+          <a:ext cx="0" cy="0"/>
+          <a:chOff x="0" y="0"/>
+          <a:chExt cx="0" cy="0"/>
+        </a:xfrm>
+      </p:grpSpPr>
+      <p:sp>
+        <p:nvSpPr>
+          <p:cNvPr id="3" name="Espace réservé du contenu 2"/>
+          <p:cNvSpPr>
+            <a:spLocks noGrp="1"/>
+          </p:cNvSpPr>
+          <p:nvPr>
+            <p:ph idx="1"/>
+          </p:nvPr>
+        </p:nvSpPr>
+        <p:spPr>
+          <a:xfrm>
+            <a:off x="899106" y="1722595"/>
+            <a:ext cx="7886700" cy="3609259"/>
+          </a:xfrm>
+        </p:spPr>
+        <p:txBody>
+          <a:bodyPr>
+            <a:normAutofit/>
+          </a:bodyPr>
+          <a:lstStyle/>
+          <a:p>
+            <a:r>
+              <a:rPr lang="en-US" sz="4400" dirty="0"/>
+              <a:t>Create a </a:t>
+            </a:r>
+            <a:r>
+              <a:rPr lang="en-US" sz="4400" b="1" u="sng" dirty="0" smtClean="0">
+                <a:solidFill>
+                  <a:srgbClr val="CC0000"/>
+                </a:solidFill>
+              </a:rPr>
+              <a:t>GitHub account</a:t>
+            </a:r>
+          </a:p>
+          <a:p>
+            <a:pPr lvl="1"/>
+            <a:r>
+              <a:rPr lang="en-US" sz="4000" dirty="0" smtClean="0"/>
+              <a:t>https</a:t>
+            </a:r>
+            <a:r>
+              <a:rPr lang="en-US" sz="4000" dirty="0"/>
+              <a:t>://</a:t>
+            </a:r>
+            <a:r>
+              <a:rPr lang="en-US" sz="4000" dirty="0" smtClean="0"/>
+              <a:t>github.com</a:t>
+            </a:r>
+          </a:p>
+          <a:p>
+            <a:endParaRPr lang="en-US" sz="4400" dirty="0"/>
+          </a:p>
+          <a:p>
+            <a:r>
+              <a:rPr lang="nb-NO" sz="4400" dirty="0"/>
+              <a:t>Install </a:t>
+            </a:r>
+            <a:r>
+              <a:rPr lang="nb-NO" sz="4400" b="1" u="sng" dirty="0" smtClean="0">
+                <a:solidFill>
+                  <a:srgbClr val="C00000"/>
+                </a:solidFill>
+              </a:rPr>
+              <a:t>GitHub Desktop </a:t>
+            </a:r>
+          </a:p>
+          <a:p>
+            <a:pPr lvl="1"/>
+            <a:r>
+              <a:rPr lang="nb-NO" sz="4000" dirty="0" smtClean="0"/>
+              <a:t>https</a:t>
+            </a:r>
+            <a:r>
+              <a:rPr lang="nb-NO" sz="4000" dirty="0"/>
+              <a:t>://</a:t>
+            </a:r>
+            <a:r>
+              <a:rPr lang="nb-NO" sz="4000" dirty="0" smtClean="0"/>
+              <a:t>desktop.github.com</a:t>
+            </a:r>
+            <a:endParaRPr lang="fr-CA" sz="4000" dirty="0"/>
+          </a:p>
+        </p:txBody>
+      </p:sp>
+    </p:spTree>
+    <p:extLst>
+      <p:ext uri="{BB962C8B-B14F-4D97-AF65-F5344CB8AC3E}">
+        <p14:creationId xmlns:p14="http://schemas.microsoft.com/office/powerpoint/2010/main" val="1106755657"/>
+      </p:ext>
+    </p:extLst>
+  </p:cSld>
+  <p:clrMapOvr>
+    <a:masterClrMapping/>
+  </p:clrMapOvr>
+  <p:timing>
+    <p:tnLst>
+      <p:par>
+        <p:cTn id="1" dur="indefinite" restart="never" nodeType="tmRoot"/>
+      </p:par>
+    </p:tnLst>
+  </p:timing>
+</p:sld>
+</file>
+
+<file path=ppt/slides/slide3.xml><?xml version="1.0" encoding="utf-8"?>
 <p:sld xmlns:a="http://schemas.openxmlformats.org/drawingml/2006/main" xmlns:r="http://schemas.openxmlformats.org/officeDocument/2006/relationships" xmlns:p="http://schemas.openxmlformats.org/presentationml/2006/main">
   <p:cSld>
     <p:spTree>
@@ -3576,46 +3809,526 @@
           </a:prstGeom>
         </p:spPr>
       </p:pic>
-      <p:pic>
-        <p:nvPicPr>
-          <p:cNvPr id="7" name="Image 6"/>
-          <p:cNvPicPr>
-            <a:picLocks noChangeAspect="1"/>
-          </p:cNvPicPr>
+      <p:grpSp>
+        <p:nvGrpSpPr>
+          <p:cNvPr id="2" name="Groupe 1"/>
+          <p:cNvGrpSpPr/>
           <p:nvPr/>
-        </p:nvPicPr>
-        <p:blipFill>
-          <a:blip r:embed="rId4">
-            <a:extLst>
-              <a:ext uri="{28A0092B-C50C-407E-A947-70E740481C1C}">
-                <a14:useLocalDpi xmlns:a14="http://schemas.microsoft.com/office/drawing/2010/main" val="0"/>
-              </a:ext>
-            </a:extLst>
-          </a:blip>
-          <a:stretch>
-            <a:fillRect/>
-          </a:stretch>
-        </p:blipFill>
+        </p:nvGrpSpPr>
+        <p:grpSpPr>
+          <a:xfrm>
+            <a:off x="3605325" y="4133097"/>
+            <a:ext cx="1933350" cy="2516119"/>
+            <a:chOff x="3605325" y="3991428"/>
+            <a:chExt cx="1933350" cy="2516119"/>
+          </a:xfrm>
+        </p:grpSpPr>
+        <p:pic>
+          <p:nvPicPr>
+            <p:cNvPr id="7" name="Image 6"/>
+            <p:cNvPicPr>
+              <a:picLocks noChangeAspect="1"/>
+            </p:cNvPicPr>
+            <p:nvPr/>
+          </p:nvPicPr>
+          <p:blipFill>
+            <a:blip r:embed="rId4">
+              <a:extLst>
+                <a:ext uri="{28A0092B-C50C-407E-A947-70E740481C1C}">
+                  <a14:useLocalDpi xmlns:a14="http://schemas.microsoft.com/office/drawing/2010/main" val="0"/>
+                </a:ext>
+              </a:extLst>
+            </a:blip>
+            <a:stretch>
+              <a:fillRect/>
+            </a:stretch>
+          </p:blipFill>
+          <p:spPr>
+            <a:xfrm>
+              <a:off x="4087533" y="5035219"/>
+              <a:ext cx="971686" cy="1095528"/>
+            </a:xfrm>
+            <a:prstGeom prst="rect">
+              <a:avLst/>
+            </a:prstGeom>
+          </p:spPr>
+        </p:pic>
+        <p:sp>
+          <p:nvSpPr>
+            <p:cNvPr id="13" name="ZoneTexte 12"/>
+            <p:cNvSpPr txBox="1"/>
+            <p:nvPr/>
+          </p:nvSpPr>
+          <p:spPr>
+            <a:xfrm>
+              <a:off x="3605325" y="6107437"/>
+              <a:ext cx="1933350" cy="400110"/>
+            </a:xfrm>
+            <a:prstGeom prst="rect">
+              <a:avLst/>
+            </a:prstGeom>
+            <a:noFill/>
+          </p:spPr>
+          <p:txBody>
+            <a:bodyPr wrap="none" rtlCol="0">
+              <a:spAutoFit/>
+            </a:bodyPr>
+            <a:lstStyle/>
+            <a:p>
+              <a:r>
+                <a:rPr lang="en-CA" sz="2000" b="1" dirty="0" smtClean="0"/>
+                <a:t>Local Repository</a:t>
+              </a:r>
+              <a:endParaRPr lang="fr-CA" sz="2000" b="1" dirty="0"/>
+            </a:p>
+          </p:txBody>
+        </p:sp>
+        <p:cxnSp>
+          <p:nvCxnSpPr>
+            <p:cNvPr id="15" name="Connecteur droit avec flèche 14"/>
+            <p:cNvCxnSpPr/>
+            <p:nvPr/>
+          </p:nvCxnSpPr>
+          <p:spPr>
+            <a:xfrm flipV="1">
+              <a:off x="4572000" y="3991428"/>
+              <a:ext cx="0" cy="914400"/>
+            </a:xfrm>
+            <a:prstGeom prst="straightConnector1">
+              <a:avLst/>
+            </a:prstGeom>
+            <a:ln w="38100">
+              <a:headEnd type="arrow" w="med" len="med"/>
+              <a:tailEnd type="arrow" w="med" len="med"/>
+            </a:ln>
+          </p:spPr>
+          <p:style>
+            <a:lnRef idx="1">
+              <a:schemeClr val="dk1"/>
+            </a:lnRef>
+            <a:fillRef idx="0">
+              <a:schemeClr val="dk1"/>
+            </a:fillRef>
+            <a:effectRef idx="0">
+              <a:schemeClr val="dk1"/>
+            </a:effectRef>
+            <a:fontRef idx="minor">
+              <a:schemeClr val="tx1"/>
+            </a:fontRef>
+          </p:style>
+        </p:cxnSp>
+      </p:grpSp>
+      <p:grpSp>
+        <p:nvGrpSpPr>
+          <p:cNvPr id="3" name="Groupe 2"/>
+          <p:cNvGrpSpPr/>
+          <p:nvPr/>
+        </p:nvGrpSpPr>
+        <p:grpSpPr>
+          <a:xfrm>
+            <a:off x="768075" y="4133097"/>
+            <a:ext cx="7607850" cy="2516119"/>
+            <a:chOff x="768075" y="3991428"/>
+            <a:chExt cx="7607850" cy="2516119"/>
+          </a:xfrm>
+        </p:grpSpPr>
+        <p:pic>
+          <p:nvPicPr>
+            <p:cNvPr id="20" name="Image 19"/>
+            <p:cNvPicPr>
+              <a:picLocks noChangeAspect="1"/>
+            </p:cNvPicPr>
+            <p:nvPr/>
+          </p:nvPicPr>
+          <p:blipFill>
+            <a:blip r:embed="rId4">
+              <a:extLst>
+                <a:ext uri="{28A0092B-C50C-407E-A947-70E740481C1C}">
+                  <a14:useLocalDpi xmlns:a14="http://schemas.microsoft.com/office/drawing/2010/main" val="0"/>
+                </a:ext>
+              </a:extLst>
+            </a:blip>
+            <a:stretch>
+              <a:fillRect/>
+            </a:stretch>
+          </p:blipFill>
+          <p:spPr>
+            <a:xfrm>
+              <a:off x="6867019" y="5035219"/>
+              <a:ext cx="971686" cy="1095528"/>
+            </a:xfrm>
+            <a:prstGeom prst="rect">
+              <a:avLst/>
+            </a:prstGeom>
+          </p:spPr>
+        </p:pic>
+        <p:pic>
+          <p:nvPicPr>
+            <p:cNvPr id="21" name="Image 20"/>
+            <p:cNvPicPr>
+              <a:picLocks noChangeAspect="1"/>
+            </p:cNvPicPr>
+            <p:nvPr/>
+          </p:nvPicPr>
+          <p:blipFill>
+            <a:blip r:embed="rId4">
+              <a:extLst>
+                <a:ext uri="{28A0092B-C50C-407E-A947-70E740481C1C}">
+                  <a14:useLocalDpi xmlns:a14="http://schemas.microsoft.com/office/drawing/2010/main" val="0"/>
+                </a:ext>
+              </a:extLst>
+            </a:blip>
+            <a:stretch>
+              <a:fillRect/>
+            </a:stretch>
+          </p:blipFill>
+          <p:spPr>
+            <a:xfrm>
+              <a:off x="1171325" y="5087973"/>
+              <a:ext cx="971686" cy="1095528"/>
+            </a:xfrm>
+            <a:prstGeom prst="rect">
+              <a:avLst/>
+            </a:prstGeom>
+          </p:spPr>
+        </p:pic>
+        <p:sp>
+          <p:nvSpPr>
+            <p:cNvPr id="22" name="ZoneTexte 21"/>
+            <p:cNvSpPr txBox="1"/>
+            <p:nvPr/>
+          </p:nvSpPr>
+          <p:spPr>
+            <a:xfrm>
+              <a:off x="768075" y="6107437"/>
+              <a:ext cx="1933350" cy="400110"/>
+            </a:xfrm>
+            <a:prstGeom prst="rect">
+              <a:avLst/>
+            </a:prstGeom>
+            <a:noFill/>
+          </p:spPr>
+          <p:txBody>
+            <a:bodyPr wrap="none" rtlCol="0">
+              <a:spAutoFit/>
+            </a:bodyPr>
+            <a:lstStyle/>
+            <a:p>
+              <a:r>
+                <a:rPr lang="en-CA" sz="2000" b="1" dirty="0" smtClean="0"/>
+                <a:t>Local Repository</a:t>
+              </a:r>
+              <a:endParaRPr lang="fr-CA" sz="2000" b="1" dirty="0"/>
+            </a:p>
+          </p:txBody>
+        </p:sp>
+        <p:sp>
+          <p:nvSpPr>
+            <p:cNvPr id="23" name="ZoneTexte 22"/>
+            <p:cNvSpPr txBox="1"/>
+            <p:nvPr/>
+          </p:nvSpPr>
+          <p:spPr>
+            <a:xfrm>
+              <a:off x="6442575" y="6107437"/>
+              <a:ext cx="1933350" cy="400110"/>
+            </a:xfrm>
+            <a:prstGeom prst="rect">
+              <a:avLst/>
+            </a:prstGeom>
+            <a:noFill/>
+          </p:spPr>
+          <p:txBody>
+            <a:bodyPr wrap="none" rtlCol="0">
+              <a:spAutoFit/>
+            </a:bodyPr>
+            <a:lstStyle/>
+            <a:p>
+              <a:r>
+                <a:rPr lang="en-CA" sz="2000" b="1" dirty="0" smtClean="0"/>
+                <a:t>Local Repository</a:t>
+              </a:r>
+              <a:endParaRPr lang="fr-CA" sz="2000" b="1" dirty="0"/>
+            </a:p>
+          </p:txBody>
+        </p:sp>
+        <p:cxnSp>
+          <p:nvCxnSpPr>
+            <p:cNvPr id="24" name="Connecteur droit avec flèche 23"/>
+            <p:cNvCxnSpPr/>
+            <p:nvPr/>
+          </p:nvCxnSpPr>
+          <p:spPr>
+            <a:xfrm flipV="1">
+              <a:off x="1734750" y="3991428"/>
+              <a:ext cx="2082507" cy="1026103"/>
+            </a:xfrm>
+            <a:prstGeom prst="straightConnector1">
+              <a:avLst/>
+            </a:prstGeom>
+            <a:ln w="38100">
+              <a:headEnd type="arrow" w="med" len="med"/>
+              <a:tailEnd type="arrow" w="med" len="med"/>
+            </a:ln>
+          </p:spPr>
+          <p:style>
+            <a:lnRef idx="1">
+              <a:schemeClr val="dk1"/>
+            </a:lnRef>
+            <a:fillRef idx="0">
+              <a:schemeClr val="dk1"/>
+            </a:fillRef>
+            <a:effectRef idx="0">
+              <a:schemeClr val="dk1"/>
+            </a:effectRef>
+            <a:fontRef idx="minor">
+              <a:schemeClr val="tx1"/>
+            </a:fontRef>
+          </p:style>
+        </p:cxnSp>
+        <p:cxnSp>
+          <p:nvCxnSpPr>
+            <p:cNvPr id="27" name="Connecteur droit avec flèche 26"/>
+            <p:cNvCxnSpPr/>
+            <p:nvPr/>
+          </p:nvCxnSpPr>
+          <p:spPr>
+            <a:xfrm>
+              <a:off x="5270355" y="4022506"/>
+              <a:ext cx="2082507" cy="883322"/>
+            </a:xfrm>
+            <a:prstGeom prst="straightConnector1">
+              <a:avLst/>
+            </a:prstGeom>
+            <a:ln w="38100">
+              <a:headEnd type="arrow" w="med" len="med"/>
+              <a:tailEnd type="arrow" w="med" len="med"/>
+            </a:ln>
+          </p:spPr>
+          <p:style>
+            <a:lnRef idx="1">
+              <a:schemeClr val="dk1"/>
+            </a:lnRef>
+            <a:fillRef idx="0">
+              <a:schemeClr val="dk1"/>
+            </a:fillRef>
+            <a:effectRef idx="0">
+              <a:schemeClr val="dk1"/>
+            </a:effectRef>
+            <a:fontRef idx="minor">
+              <a:schemeClr val="tx1"/>
+            </a:fontRef>
+          </p:style>
+        </p:cxnSp>
+      </p:grpSp>
+      <p:grpSp>
+        <p:nvGrpSpPr>
+          <p:cNvPr id="5" name="Groupe 4"/>
+          <p:cNvGrpSpPr/>
+          <p:nvPr/>
+        </p:nvGrpSpPr>
+        <p:grpSpPr>
+          <a:xfrm>
+            <a:off x="264615" y="551545"/>
+            <a:ext cx="3897257" cy="2734999"/>
+            <a:chOff x="264615" y="551545"/>
+            <a:chExt cx="3897257" cy="2734999"/>
+          </a:xfrm>
+        </p:grpSpPr>
+        <p:pic>
+          <p:nvPicPr>
+            <p:cNvPr id="19" name="Image 18"/>
+            <p:cNvPicPr>
+              <a:picLocks noChangeAspect="1"/>
+            </p:cNvPicPr>
+            <p:nvPr/>
+          </p:nvPicPr>
+          <p:blipFill>
+            <a:blip r:embed="rId5">
+              <a:extLst>
+                <a:ext uri="{28A0092B-C50C-407E-A947-70E740481C1C}">
+                  <a14:useLocalDpi xmlns:a14="http://schemas.microsoft.com/office/drawing/2010/main" val="0"/>
+                </a:ext>
+              </a:extLst>
+            </a:blip>
+            <a:stretch>
+              <a:fillRect/>
+            </a:stretch>
+          </p:blipFill>
+          <p:spPr>
+            <a:xfrm>
+              <a:off x="264615" y="551545"/>
+              <a:ext cx="3897257" cy="2051188"/>
+            </a:xfrm>
+            <a:prstGeom prst="rect">
+              <a:avLst/>
+            </a:prstGeom>
+          </p:spPr>
+        </p:pic>
+        <p:cxnSp>
+          <p:nvCxnSpPr>
+            <p:cNvPr id="35" name="Connecteur droit avec flèche 34"/>
+            <p:cNvCxnSpPr/>
+            <p:nvPr/>
+          </p:nvCxnSpPr>
+          <p:spPr>
+            <a:xfrm>
+              <a:off x="2496457" y="2700618"/>
+              <a:ext cx="1320800" cy="585926"/>
+            </a:xfrm>
+            <a:prstGeom prst="straightConnector1">
+              <a:avLst/>
+            </a:prstGeom>
+            <a:ln w="38100">
+              <a:headEnd type="arrow" w="med" len="med"/>
+              <a:tailEnd type="arrow" w="med" len="med"/>
+            </a:ln>
+          </p:spPr>
+          <p:style>
+            <a:lnRef idx="1">
+              <a:schemeClr val="dk1"/>
+            </a:lnRef>
+            <a:fillRef idx="0">
+              <a:schemeClr val="dk1"/>
+            </a:fillRef>
+            <a:effectRef idx="0">
+              <a:schemeClr val="dk1"/>
+            </a:effectRef>
+            <a:fontRef idx="minor">
+              <a:schemeClr val="tx1"/>
+            </a:fontRef>
+          </p:style>
+        </p:cxnSp>
+      </p:grpSp>
+      <p:grpSp>
+        <p:nvGrpSpPr>
+          <p:cNvPr id="11" name="Groupe 10"/>
+          <p:cNvGrpSpPr/>
+          <p:nvPr/>
+        </p:nvGrpSpPr>
+        <p:grpSpPr>
+          <a:xfrm>
+            <a:off x="6573193" y="206977"/>
+            <a:ext cx="2210349" cy="2546559"/>
+            <a:chOff x="6573193" y="206977"/>
+            <a:chExt cx="2210349" cy="2546559"/>
+          </a:xfrm>
+        </p:grpSpPr>
+        <p:pic>
+          <p:nvPicPr>
+            <p:cNvPr id="30" name="Image 29"/>
+            <p:cNvPicPr>
+              <a:picLocks noChangeAspect="1"/>
+            </p:cNvPicPr>
+            <p:nvPr/>
+          </p:nvPicPr>
+          <p:blipFill>
+            <a:blip r:embed="rId6">
+              <a:extLst>
+                <a:ext uri="{28A0092B-C50C-407E-A947-70E740481C1C}">
+                  <a14:useLocalDpi xmlns:a14="http://schemas.microsoft.com/office/drawing/2010/main" val="0"/>
+                </a:ext>
+              </a:extLst>
+            </a:blip>
+            <a:stretch>
+              <a:fillRect/>
+            </a:stretch>
+          </p:blipFill>
+          <p:spPr>
+            <a:xfrm>
+              <a:off x="7200833" y="206977"/>
+              <a:ext cx="952633" cy="1095528"/>
+            </a:xfrm>
+            <a:prstGeom prst="rect">
+              <a:avLst/>
+            </a:prstGeom>
+          </p:spPr>
+        </p:pic>
+        <p:sp>
+          <p:nvSpPr>
+            <p:cNvPr id="31" name="ZoneTexte 30"/>
+            <p:cNvSpPr txBox="1"/>
+            <p:nvPr/>
+          </p:nvSpPr>
+          <p:spPr>
+            <a:xfrm>
+              <a:off x="6573193" y="1292592"/>
+              <a:ext cx="2210349" cy="707886"/>
+            </a:xfrm>
+            <a:prstGeom prst="rect">
+              <a:avLst/>
+            </a:prstGeom>
+            <a:noFill/>
+          </p:spPr>
+          <p:txBody>
+            <a:bodyPr wrap="none" rtlCol="0">
+              <a:spAutoFit/>
+            </a:bodyPr>
+            <a:lstStyle/>
+            <a:p>
+              <a:pPr algn="ctr"/>
+              <a:r>
+                <a:rPr lang="en-CA" sz="2000" b="1" dirty="0" smtClean="0"/>
+                <a:t>Remote (online!!!) </a:t>
+              </a:r>
+            </a:p>
+            <a:p>
+              <a:pPr algn="ctr"/>
+              <a:r>
+                <a:rPr lang="en-CA" sz="2000" b="1" dirty="0" smtClean="0"/>
+                <a:t>Repository</a:t>
+              </a:r>
+              <a:endParaRPr lang="fr-CA" sz="2000" b="1" dirty="0"/>
+            </a:p>
+          </p:txBody>
+        </p:sp>
+        <p:cxnSp>
+          <p:nvCxnSpPr>
+            <p:cNvPr id="40" name="Connecteur droit avec flèche 39"/>
+            <p:cNvCxnSpPr>
+              <a:stCxn id="29" idx="0"/>
+            </p:cNvCxnSpPr>
+            <p:nvPr/>
+          </p:nvCxnSpPr>
+          <p:spPr>
+            <a:xfrm flipH="1" flipV="1">
+              <a:off x="7699538" y="2055219"/>
+              <a:ext cx="7190" cy="698317"/>
+            </a:xfrm>
+            <a:prstGeom prst="straightConnector1">
+              <a:avLst/>
+            </a:prstGeom>
+            <a:ln w="38100">
+              <a:headEnd type="arrow" w="med" len="med"/>
+              <a:tailEnd type="arrow" w="med" len="med"/>
+            </a:ln>
+          </p:spPr>
+          <p:style>
+            <a:lnRef idx="1">
+              <a:schemeClr val="dk1"/>
+            </a:lnRef>
+            <a:fillRef idx="0">
+              <a:schemeClr val="dk1"/>
+            </a:fillRef>
+            <a:effectRef idx="0">
+              <a:schemeClr val="dk1"/>
+            </a:effectRef>
+            <a:fontRef idx="minor">
+              <a:schemeClr val="tx1"/>
+            </a:fontRef>
+          </p:style>
+        </p:cxnSp>
+      </p:grpSp>
+      <p:sp>
+        <p:nvSpPr>
+          <p:cNvPr id="8" name="ZoneTexte 7"/>
+          <p:cNvSpPr txBox="1"/>
+          <p:nvPr/>
+        </p:nvSpPr>
         <p:spPr>
           <a:xfrm>
-            <a:off x="4087533" y="5035219"/>
-            <a:ext cx="971686" cy="1095528"/>
-          </a:xfrm>
-          <a:prstGeom prst="rect">
-            <a:avLst/>
-          </a:prstGeom>
-        </p:spPr>
-      </p:pic>
-      <p:sp>
-        <p:nvSpPr>
-          <p:cNvPr id="13" name="ZoneTexte 12"/>
-          <p:cNvSpPr txBox="1"/>
-          <p:nvPr/>
-        </p:nvSpPr>
-        <p:spPr>
-          <a:xfrm>
-            <a:off x="3605325" y="6107437"/>
-            <a:ext cx="1933350" cy="400110"/>
+            <a:off x="3316720" y="3641592"/>
+            <a:ext cx="2528064" cy="369332"/>
           </a:xfrm>
           <a:prstGeom prst="rect">
             <a:avLst/>
@@ -3629,521 +4342,205 @@
           <a:lstStyle/>
           <a:p>
             <a:r>
-              <a:rPr lang="en-CA" sz="2000" b="1" dirty="0" smtClean="0"/>
-              <a:t>Local Repository</a:t>
-            </a:r>
-            <a:endParaRPr lang="fr-CA" sz="2000" b="1" dirty="0"/>
-          </a:p>
-        </p:txBody>
-      </p:sp>
-      <p:cxnSp>
-        <p:nvCxnSpPr>
-          <p:cNvPr id="15" name="Connecteur droit avec flèche 14"/>
-          <p:cNvCxnSpPr/>
+              <a:rPr lang="fr-CA" b="1" dirty="0" smtClean="0"/>
+              <a:t>Version </a:t>
+            </a:r>
+            <a:r>
+              <a:rPr lang="fr-CA" b="1" dirty="0"/>
+              <a:t>control software</a:t>
+            </a:r>
+          </a:p>
+        </p:txBody>
+      </p:sp>
+      <p:grpSp>
+        <p:nvGrpSpPr>
+          <p:cNvPr id="14" name="Groupe 13"/>
+          <p:cNvGrpSpPr/>
           <p:nvPr/>
-        </p:nvCxnSpPr>
-        <p:spPr>
-          <a:xfrm flipV="1">
-            <a:off x="4572000" y="3991428"/>
-            <a:ext cx="0" cy="914400"/>
-          </a:xfrm>
-          <a:prstGeom prst="straightConnector1">
-            <a:avLst/>
-          </a:prstGeom>
-          <a:ln w="38100">
-            <a:headEnd type="arrow" w="med" len="med"/>
-            <a:tailEnd type="arrow" w="med" len="med"/>
-          </a:ln>
-        </p:spPr>
-        <p:style>
-          <a:lnRef idx="1">
-            <a:schemeClr val="dk1"/>
-          </a:lnRef>
-          <a:fillRef idx="0">
-            <a:schemeClr val="dk1"/>
-          </a:fillRef>
-          <a:effectRef idx="0">
-            <a:schemeClr val="dk1"/>
-          </a:effectRef>
-          <a:fontRef idx="minor">
-            <a:schemeClr val="tx1"/>
-          </a:fontRef>
-        </p:style>
-      </p:cxnSp>
-      <p:pic>
-        <p:nvPicPr>
-          <p:cNvPr id="19" name="Image 18"/>
-          <p:cNvPicPr>
-            <a:picLocks noChangeAspect="1"/>
-          </p:cNvPicPr>
-          <p:nvPr/>
-        </p:nvPicPr>
-        <p:blipFill>
-          <a:blip r:embed="rId5">
-            <a:extLst>
-              <a:ext uri="{28A0092B-C50C-407E-A947-70E740481C1C}">
-                <a14:useLocalDpi xmlns:a14="http://schemas.microsoft.com/office/drawing/2010/main" val="0"/>
-              </a:ext>
-            </a:extLst>
-          </a:blip>
-          <a:stretch>
-            <a:fillRect/>
-          </a:stretch>
-        </p:blipFill>
-        <p:spPr>
-          <a:xfrm>
-            <a:off x="264615" y="551545"/>
-            <a:ext cx="3897257" cy="2051188"/>
-          </a:xfrm>
-          <a:prstGeom prst="rect">
-            <a:avLst/>
-          </a:prstGeom>
-        </p:spPr>
-      </p:pic>
-      <p:pic>
-        <p:nvPicPr>
-          <p:cNvPr id="20" name="Image 19"/>
-          <p:cNvPicPr>
-            <a:picLocks noChangeAspect="1"/>
-          </p:cNvPicPr>
-          <p:nvPr/>
-        </p:nvPicPr>
-        <p:blipFill>
-          <a:blip r:embed="rId4">
-            <a:extLst>
-              <a:ext uri="{28A0092B-C50C-407E-A947-70E740481C1C}">
-                <a14:useLocalDpi xmlns:a14="http://schemas.microsoft.com/office/drawing/2010/main" val="0"/>
-              </a:ext>
-            </a:extLst>
-          </a:blip>
-          <a:stretch>
-            <a:fillRect/>
-          </a:stretch>
-        </p:blipFill>
-        <p:spPr>
-          <a:xfrm>
-            <a:off x="6867019" y="5035219"/>
-            <a:ext cx="971686" cy="1095528"/>
-          </a:xfrm>
-          <a:prstGeom prst="rect">
-            <a:avLst/>
-          </a:prstGeom>
-        </p:spPr>
-      </p:pic>
-      <p:pic>
-        <p:nvPicPr>
-          <p:cNvPr id="21" name="Image 20"/>
-          <p:cNvPicPr>
-            <a:picLocks noChangeAspect="1"/>
-          </p:cNvPicPr>
-          <p:nvPr/>
-        </p:nvPicPr>
-        <p:blipFill>
-          <a:blip r:embed="rId4">
-            <a:extLst>
-              <a:ext uri="{28A0092B-C50C-407E-A947-70E740481C1C}">
-                <a14:useLocalDpi xmlns:a14="http://schemas.microsoft.com/office/drawing/2010/main" val="0"/>
-              </a:ext>
-            </a:extLst>
-          </a:blip>
-          <a:stretch>
-            <a:fillRect/>
-          </a:stretch>
-        </p:blipFill>
-        <p:spPr>
-          <a:xfrm>
-            <a:off x="1171325" y="5087973"/>
-            <a:ext cx="971686" cy="1095528"/>
-          </a:xfrm>
-          <a:prstGeom prst="rect">
-            <a:avLst/>
-          </a:prstGeom>
-        </p:spPr>
-      </p:pic>
-      <p:sp>
-        <p:nvSpPr>
-          <p:cNvPr id="22" name="ZoneTexte 21"/>
-          <p:cNvSpPr txBox="1"/>
-          <p:nvPr/>
-        </p:nvSpPr>
-        <p:spPr>
-          <a:xfrm>
-            <a:off x="768075" y="6107437"/>
-            <a:ext cx="1933350" cy="400110"/>
-          </a:xfrm>
-          <a:prstGeom prst="rect">
-            <a:avLst/>
-          </a:prstGeom>
-          <a:noFill/>
-        </p:spPr>
-        <p:txBody>
-          <a:bodyPr wrap="none" rtlCol="0">
-            <a:spAutoFit/>
-          </a:bodyPr>
-          <a:lstStyle/>
-          <a:p>
-            <a:r>
-              <a:rPr lang="en-CA" sz="2000" b="1" dirty="0" smtClean="0"/>
-              <a:t>Local Repository</a:t>
-            </a:r>
-            <a:endParaRPr lang="fr-CA" sz="2000" b="1" dirty="0"/>
-          </a:p>
-        </p:txBody>
-      </p:sp>
-      <p:sp>
-        <p:nvSpPr>
-          <p:cNvPr id="23" name="ZoneTexte 22"/>
-          <p:cNvSpPr txBox="1"/>
-          <p:nvPr/>
-        </p:nvSpPr>
-        <p:spPr>
-          <a:xfrm>
-            <a:off x="6442575" y="6107437"/>
-            <a:ext cx="1933350" cy="400110"/>
-          </a:xfrm>
-          <a:prstGeom prst="rect">
-            <a:avLst/>
-          </a:prstGeom>
-          <a:noFill/>
-        </p:spPr>
-        <p:txBody>
-          <a:bodyPr wrap="none" rtlCol="0">
-            <a:spAutoFit/>
-          </a:bodyPr>
-          <a:lstStyle/>
-          <a:p>
-            <a:r>
-              <a:rPr lang="en-CA" sz="2000" b="1" dirty="0" smtClean="0"/>
-              <a:t>Local Repository</a:t>
-            </a:r>
-            <a:endParaRPr lang="fr-CA" sz="2000" b="1" dirty="0"/>
-          </a:p>
-        </p:txBody>
-      </p:sp>
-      <p:cxnSp>
-        <p:nvCxnSpPr>
-          <p:cNvPr id="24" name="Connecteur droit avec flèche 23"/>
-          <p:cNvCxnSpPr/>
-          <p:nvPr/>
-        </p:nvCxnSpPr>
-        <p:spPr>
-          <a:xfrm flipV="1">
-            <a:off x="1734750" y="3991428"/>
-            <a:ext cx="2082507" cy="1026103"/>
-          </a:xfrm>
-          <a:prstGeom prst="straightConnector1">
-            <a:avLst/>
-          </a:prstGeom>
-          <a:ln w="38100">
-            <a:headEnd type="arrow" w="med" len="med"/>
-            <a:tailEnd type="arrow" w="med" len="med"/>
-          </a:ln>
-        </p:spPr>
-        <p:style>
-          <a:lnRef idx="1">
-            <a:schemeClr val="dk1"/>
-          </a:lnRef>
-          <a:fillRef idx="0">
-            <a:schemeClr val="dk1"/>
-          </a:fillRef>
-          <a:effectRef idx="0">
-            <a:schemeClr val="dk1"/>
-          </a:effectRef>
-          <a:fontRef idx="minor">
-            <a:schemeClr val="tx1"/>
-          </a:fontRef>
-        </p:style>
-      </p:cxnSp>
-      <p:cxnSp>
-        <p:nvCxnSpPr>
-          <p:cNvPr id="27" name="Connecteur droit avec flèche 26"/>
-          <p:cNvCxnSpPr/>
-          <p:nvPr/>
-        </p:nvCxnSpPr>
-        <p:spPr>
-          <a:xfrm>
-            <a:off x="5270355" y="4022506"/>
-            <a:ext cx="2082507" cy="883322"/>
-          </a:xfrm>
-          <a:prstGeom prst="straightConnector1">
-            <a:avLst/>
-          </a:prstGeom>
-          <a:ln w="38100">
-            <a:headEnd type="arrow" w="med" len="med"/>
-            <a:tailEnd type="arrow" w="med" len="med"/>
-          </a:ln>
-        </p:spPr>
-        <p:style>
-          <a:lnRef idx="1">
-            <a:schemeClr val="dk1"/>
-          </a:lnRef>
-          <a:fillRef idx="0">
-            <a:schemeClr val="dk1"/>
-          </a:fillRef>
-          <a:effectRef idx="0">
-            <a:schemeClr val="dk1"/>
-          </a:effectRef>
-          <a:fontRef idx="minor">
-            <a:schemeClr val="tx1"/>
-          </a:fontRef>
-        </p:style>
-      </p:cxnSp>
-      <p:pic>
-        <p:nvPicPr>
-          <p:cNvPr id="29" name="Image 28"/>
-          <p:cNvPicPr>
-            <a:picLocks noChangeAspect="1"/>
-          </p:cNvPicPr>
-          <p:nvPr/>
-        </p:nvPicPr>
-        <p:blipFill>
-          <a:blip r:embed="rId6">
-            <a:extLst>
-              <a:ext uri="{28A0092B-C50C-407E-A947-70E740481C1C}">
-                <a14:useLocalDpi xmlns:a14="http://schemas.microsoft.com/office/drawing/2010/main" val="0"/>
-              </a:ext>
-            </a:extLst>
-          </a:blip>
-          <a:stretch>
-            <a:fillRect/>
-          </a:stretch>
-        </p:blipFill>
-        <p:spPr>
-          <a:xfrm>
-            <a:off x="6239878" y="2753536"/>
-            <a:ext cx="2933700" cy="1000125"/>
-          </a:xfrm>
-          <a:prstGeom prst="rect">
-            <a:avLst/>
-          </a:prstGeom>
-        </p:spPr>
-      </p:pic>
-      <p:pic>
-        <p:nvPicPr>
-          <p:cNvPr id="30" name="Image 29"/>
-          <p:cNvPicPr>
-            <a:picLocks noChangeAspect="1"/>
-          </p:cNvPicPr>
-          <p:nvPr/>
-        </p:nvPicPr>
-        <p:blipFill>
-          <a:blip r:embed="rId7">
-            <a:extLst>
-              <a:ext uri="{28A0092B-C50C-407E-A947-70E740481C1C}">
-                <a14:useLocalDpi xmlns:a14="http://schemas.microsoft.com/office/drawing/2010/main" val="0"/>
-              </a:ext>
-            </a:extLst>
-          </a:blip>
-          <a:stretch>
-            <a:fillRect/>
-          </a:stretch>
-        </p:blipFill>
-        <p:spPr>
-          <a:xfrm>
-            <a:off x="7200833" y="206977"/>
-            <a:ext cx="952633" cy="1095528"/>
-          </a:xfrm>
-          <a:prstGeom prst="rect">
-            <a:avLst/>
-          </a:prstGeom>
-        </p:spPr>
-      </p:pic>
-      <p:sp>
-        <p:nvSpPr>
-          <p:cNvPr id="31" name="ZoneTexte 30"/>
-          <p:cNvSpPr txBox="1"/>
-          <p:nvPr/>
-        </p:nvSpPr>
-        <p:spPr>
-          <a:xfrm>
-            <a:off x="6573193" y="1292592"/>
-            <a:ext cx="2210349" cy="707886"/>
-          </a:xfrm>
-          <a:prstGeom prst="rect">
-            <a:avLst/>
-          </a:prstGeom>
-          <a:noFill/>
-        </p:spPr>
-        <p:txBody>
-          <a:bodyPr wrap="none" rtlCol="0">
-            <a:spAutoFit/>
-          </a:bodyPr>
-          <a:lstStyle/>
-          <a:p>
-            <a:pPr algn="ctr"/>
-            <a:r>
-              <a:rPr lang="en-CA" sz="2000" b="1" dirty="0" smtClean="0"/>
-              <a:t>Remote (online!!!) </a:t>
-            </a:r>
-          </a:p>
-          <a:p>
-            <a:pPr algn="ctr"/>
-            <a:r>
-              <a:rPr lang="en-CA" sz="2000" b="1" dirty="0" smtClean="0"/>
-              <a:t>Repository</a:t>
-            </a:r>
-            <a:endParaRPr lang="fr-CA" sz="2000" b="1" dirty="0"/>
-          </a:p>
-        </p:txBody>
-      </p:sp>
-      <p:cxnSp>
-        <p:nvCxnSpPr>
-          <p:cNvPr id="32" name="Connecteur droit avec flèche 31"/>
-          <p:cNvCxnSpPr/>
-          <p:nvPr/>
-        </p:nvCxnSpPr>
-        <p:spPr>
-          <a:xfrm flipV="1">
-            <a:off x="5212299" y="3407604"/>
-            <a:ext cx="987793" cy="25119"/>
-          </a:xfrm>
-          <a:prstGeom prst="straightConnector1">
-            <a:avLst/>
-          </a:prstGeom>
-          <a:ln w="38100">
-            <a:headEnd type="arrow" w="med" len="med"/>
-            <a:tailEnd type="arrow" w="med" len="med"/>
-          </a:ln>
-        </p:spPr>
-        <p:style>
-          <a:lnRef idx="1">
-            <a:schemeClr val="dk1"/>
-          </a:lnRef>
-          <a:fillRef idx="0">
-            <a:schemeClr val="dk1"/>
-          </a:fillRef>
-          <a:effectRef idx="0">
-            <a:schemeClr val="dk1"/>
-          </a:effectRef>
-          <a:fontRef idx="minor">
-            <a:schemeClr val="tx1"/>
-          </a:fontRef>
-        </p:style>
-      </p:cxnSp>
-      <p:cxnSp>
-        <p:nvCxnSpPr>
-          <p:cNvPr id="35" name="Connecteur droit avec flèche 34"/>
-          <p:cNvCxnSpPr/>
-          <p:nvPr/>
-        </p:nvCxnSpPr>
-        <p:spPr>
-          <a:xfrm>
-            <a:off x="2496457" y="2700618"/>
-            <a:ext cx="1320800" cy="585926"/>
-          </a:xfrm>
-          <a:prstGeom prst="straightConnector1">
-            <a:avLst/>
-          </a:prstGeom>
-          <a:ln w="38100">
-            <a:headEnd type="arrow" w="med" len="med"/>
-            <a:tailEnd type="arrow" w="med" len="med"/>
-          </a:ln>
-        </p:spPr>
-        <p:style>
-          <a:lnRef idx="1">
-            <a:schemeClr val="dk1"/>
-          </a:lnRef>
-          <a:fillRef idx="0">
-            <a:schemeClr val="dk1"/>
-          </a:fillRef>
-          <a:effectRef idx="0">
-            <a:schemeClr val="dk1"/>
-          </a:effectRef>
-          <a:fontRef idx="minor">
-            <a:schemeClr val="tx1"/>
-          </a:fontRef>
-        </p:style>
-      </p:cxnSp>
-      <p:sp>
-        <p:nvSpPr>
-          <p:cNvPr id="37" name="Interdiction 36"/>
-          <p:cNvSpPr/>
-          <p:nvPr/>
-        </p:nvSpPr>
-        <p:spPr>
+        </p:nvGrpSpPr>
+        <p:grpSpPr>
           <a:xfrm>
             <a:off x="537579" y="22969"/>
-            <a:ext cx="3210864" cy="3210864"/>
+            <a:ext cx="8635999" cy="4366160"/>
+            <a:chOff x="537579" y="22969"/>
+            <a:chExt cx="8635999" cy="4366160"/>
           </a:xfrm>
-          <a:prstGeom prst="noSmoking">
-            <a:avLst>
-              <a:gd name="adj" fmla="val 9026"/>
-            </a:avLst>
-          </a:prstGeom>
-          <a:solidFill>
-            <a:srgbClr val="FF0000">
-              <a:alpha val="50196"/>
-            </a:srgbClr>
-          </a:solidFill>
-          <a:ln>
+        </p:grpSpPr>
+        <p:cxnSp>
+          <p:nvCxnSpPr>
+            <p:cNvPr id="32" name="Connecteur droit avec flèche 31"/>
+            <p:cNvCxnSpPr/>
+            <p:nvPr/>
+          </p:nvCxnSpPr>
+          <p:spPr>
+            <a:xfrm flipV="1">
+              <a:off x="5212299" y="3407604"/>
+              <a:ext cx="987793" cy="25119"/>
+            </a:xfrm>
+            <a:prstGeom prst="straightConnector1">
+              <a:avLst/>
+            </a:prstGeom>
+            <a:ln w="38100">
+              <a:headEnd type="arrow" w="med" len="med"/>
+              <a:tailEnd type="arrow" w="med" len="med"/>
+            </a:ln>
+          </p:spPr>
+          <p:style>
+            <a:lnRef idx="1">
+              <a:schemeClr val="dk1"/>
+            </a:lnRef>
+            <a:fillRef idx="0">
+              <a:schemeClr val="dk1"/>
+            </a:fillRef>
+            <a:effectRef idx="0">
+              <a:schemeClr val="dk1"/>
+            </a:effectRef>
+            <a:fontRef idx="minor">
+              <a:schemeClr val="tx1"/>
+            </a:fontRef>
+          </p:style>
+        </p:cxnSp>
+        <p:pic>
+          <p:nvPicPr>
+            <p:cNvPr id="29" name="Image 28"/>
+            <p:cNvPicPr>
+              <a:picLocks noChangeAspect="1"/>
+            </p:cNvPicPr>
+            <p:nvPr/>
+          </p:nvPicPr>
+          <p:blipFill>
+            <a:blip r:embed="rId7">
+              <a:extLst>
+                <a:ext uri="{28A0092B-C50C-407E-A947-70E740481C1C}">
+                  <a14:useLocalDpi xmlns:a14="http://schemas.microsoft.com/office/drawing/2010/main" val="0"/>
+                </a:ext>
+              </a:extLst>
+            </a:blip>
+            <a:stretch>
+              <a:fillRect/>
+            </a:stretch>
+          </p:blipFill>
+          <p:spPr>
+            <a:xfrm>
+              <a:off x="6239878" y="2753536"/>
+              <a:ext cx="2933700" cy="1000125"/>
+            </a:xfrm>
+            <a:prstGeom prst="rect">
+              <a:avLst/>
+            </a:prstGeom>
+          </p:spPr>
+        </p:pic>
+        <p:sp>
+          <p:nvSpPr>
+            <p:cNvPr id="37" name="Interdiction 36"/>
+            <p:cNvSpPr/>
+            <p:nvPr/>
+          </p:nvSpPr>
+          <p:spPr>
+            <a:xfrm>
+              <a:off x="537579" y="22969"/>
+              <a:ext cx="3210864" cy="3210864"/>
+            </a:xfrm>
+            <a:prstGeom prst="noSmoking">
+              <a:avLst>
+                <a:gd name="adj" fmla="val 9026"/>
+              </a:avLst>
+            </a:prstGeom>
             <a:solidFill>
-              <a:srgbClr val="FF0000"/>
+              <a:srgbClr val="FF0000">
+                <a:alpha val="50196"/>
+              </a:srgbClr>
             </a:solidFill>
-          </a:ln>
-        </p:spPr>
-        <p:style>
-          <a:lnRef idx="2">
-            <a:schemeClr val="accent1">
-              <a:shade val="50000"/>
-            </a:schemeClr>
-          </a:lnRef>
-          <a:fillRef idx="1">
-            <a:schemeClr val="accent1"/>
-          </a:fillRef>
-          <a:effectRef idx="0">
-            <a:schemeClr val="accent1"/>
-          </a:effectRef>
-          <a:fontRef idx="minor">
-            <a:schemeClr val="lt1"/>
-          </a:fontRef>
-        </p:style>
-        <p:txBody>
-          <a:bodyPr rtlCol="0" anchor="ctr"/>
-          <a:lstStyle/>
-          <a:p>
-            <a:pPr algn="ctr"/>
-            <a:endParaRPr lang="fr-CA">
+            <a:ln>
               <a:solidFill>
-                <a:schemeClr val="tx1"/>
+                <a:srgbClr val="FF0000"/>
               </a:solidFill>
-            </a:endParaRPr>
-          </a:p>
-        </p:txBody>
-      </p:sp>
-      <p:cxnSp>
-        <p:nvCxnSpPr>
-          <p:cNvPr id="40" name="Connecteur droit avec flèche 39"/>
-          <p:cNvCxnSpPr/>
-          <p:nvPr/>
-        </p:nvCxnSpPr>
-        <p:spPr>
-          <a:xfrm flipH="1" flipV="1">
-            <a:off x="7699537" y="2055218"/>
-            <a:ext cx="30565" cy="763023"/>
-          </a:xfrm>
-          <a:prstGeom prst="straightConnector1">
-            <a:avLst/>
-          </a:prstGeom>
-          <a:ln w="38100">
-            <a:headEnd type="arrow" w="med" len="med"/>
-            <a:tailEnd type="arrow" w="med" len="med"/>
-          </a:ln>
-        </p:spPr>
-        <p:style>
-          <a:lnRef idx="1">
-            <a:schemeClr val="dk1"/>
-          </a:lnRef>
-          <a:fillRef idx="0">
-            <a:schemeClr val="dk1"/>
-          </a:fillRef>
-          <a:effectRef idx="0">
-            <a:schemeClr val="dk1"/>
-          </a:effectRef>
-          <a:fontRef idx="minor">
-            <a:schemeClr val="tx1"/>
-          </a:fontRef>
-        </p:style>
-      </p:cxnSp>
+            </a:ln>
+          </p:spPr>
+          <p:style>
+            <a:lnRef idx="2">
+              <a:schemeClr val="accent1">
+                <a:shade val="50000"/>
+              </a:schemeClr>
+            </a:lnRef>
+            <a:fillRef idx="1">
+              <a:schemeClr val="accent1"/>
+            </a:fillRef>
+            <a:effectRef idx="0">
+              <a:schemeClr val="accent1"/>
+            </a:effectRef>
+            <a:fontRef idx="minor">
+              <a:schemeClr val="lt1"/>
+            </a:fontRef>
+          </p:style>
+          <p:txBody>
+            <a:bodyPr rtlCol="0" anchor="ctr"/>
+            <a:lstStyle/>
+            <a:p>
+              <a:pPr algn="ctr"/>
+              <a:endParaRPr lang="fr-CA">
+                <a:solidFill>
+                  <a:schemeClr val="tx1"/>
+                </a:solidFill>
+              </a:endParaRPr>
+            </a:p>
+          </p:txBody>
+        </p:sp>
+        <p:sp>
+          <p:nvSpPr>
+            <p:cNvPr id="9" name="ZoneTexte 8"/>
+            <p:cNvSpPr txBox="1"/>
+            <p:nvPr/>
+          </p:nvSpPr>
+          <p:spPr>
+            <a:xfrm>
+              <a:off x="6581189" y="3742798"/>
+              <a:ext cx="2366225" cy="646331"/>
+            </a:xfrm>
+            <a:prstGeom prst="rect">
+              <a:avLst/>
+            </a:prstGeom>
+            <a:noFill/>
+          </p:spPr>
+          <p:txBody>
+            <a:bodyPr wrap="none" rtlCol="0">
+              <a:spAutoFit/>
+            </a:bodyPr>
+            <a:lstStyle/>
+            <a:p>
+              <a:pPr algn="ctr"/>
+              <a:r>
+                <a:rPr lang="fr-CA" b="1" dirty="0" smtClean="0"/>
+                <a:t>Code </a:t>
+              </a:r>
+              <a:r>
+                <a:rPr lang="fr-CA" b="1" dirty="0" err="1"/>
+                <a:t>hosting</a:t>
+              </a:r>
+              <a:r>
+                <a:rPr lang="fr-CA" b="1" dirty="0"/>
+                <a:t> </a:t>
+              </a:r>
+              <a:r>
+                <a:rPr lang="fr-CA" b="1" dirty="0" err="1" smtClean="0"/>
+                <a:t>platform</a:t>
+              </a:r>
+              <a:r>
+                <a:rPr lang="fr-CA" b="1" dirty="0" smtClean="0"/>
+                <a:t> </a:t>
+              </a:r>
+            </a:p>
+            <a:p>
+              <a:pPr algn="ctr"/>
+              <a:r>
+                <a:rPr lang="fr-CA" b="1" dirty="0" smtClean="0"/>
+                <a:t>(web site)</a:t>
+              </a:r>
+              <a:endParaRPr lang="fr-CA" b="1" dirty="0"/>
+            </a:p>
+          </p:txBody>
+        </p:sp>
+      </p:grpSp>
     </p:spTree>
     <p:extLst>
       <p:ext uri="{BB962C8B-B14F-4D97-AF65-F5344CB8AC3E}">
@@ -4157,14 +4554,310 @@
   <p:timing>
     <p:tnLst>
       <p:par>
-        <p:cTn id="1" dur="indefinite" restart="never" nodeType="tmRoot"/>
+        <p:cTn id="1" dur="indefinite" restart="never" nodeType="tmRoot">
+          <p:childTnLst>
+            <p:seq concurrent="1" nextAc="seek">
+              <p:cTn id="2" dur="indefinite" nodeType="mainSeq">
+                <p:childTnLst>
+                  <p:par>
+                    <p:cTn id="3" fill="hold">
+                      <p:stCondLst>
+                        <p:cond delay="indefinite"/>
+                      </p:stCondLst>
+                      <p:childTnLst>
+                        <p:par>
+                          <p:cTn id="4" fill="hold">
+                            <p:stCondLst>
+                              <p:cond delay="0"/>
+                            </p:stCondLst>
+                            <p:childTnLst>
+                              <p:par>
+                                <p:cTn id="5" presetID="1" presetClass="entr" presetSubtype="0" fill="hold" grpId="0" nodeType="clickEffect">
+                                  <p:stCondLst>
+                                    <p:cond delay="0"/>
+                                  </p:stCondLst>
+                                  <p:childTnLst>
+                                    <p:set>
+                                      <p:cBhvr>
+                                        <p:cTn id="6" dur="1" fill="hold">
+                                          <p:stCondLst>
+                                            <p:cond delay="0"/>
+                                          </p:stCondLst>
+                                        </p:cTn>
+                                        <p:tgtEl>
+                                          <p:spTgt spid="8"/>
+                                        </p:tgtEl>
+                                        <p:attrNameLst>
+                                          <p:attrName>style.visibility</p:attrName>
+                                        </p:attrNameLst>
+                                      </p:cBhvr>
+                                      <p:to>
+                                        <p:strVal val="visible"/>
+                                      </p:to>
+                                    </p:set>
+                                  </p:childTnLst>
+                                </p:cTn>
+                              </p:par>
+                            </p:childTnLst>
+                          </p:cTn>
+                        </p:par>
+                      </p:childTnLst>
+                    </p:cTn>
+                  </p:par>
+                  <p:par>
+                    <p:cTn id="7" fill="hold">
+                      <p:stCondLst>
+                        <p:cond delay="indefinite"/>
+                      </p:stCondLst>
+                      <p:childTnLst>
+                        <p:par>
+                          <p:cTn id="8" fill="hold">
+                            <p:stCondLst>
+                              <p:cond delay="0"/>
+                            </p:stCondLst>
+                            <p:childTnLst>
+                              <p:par>
+                                <p:cTn id="9" presetID="1" presetClass="entr" presetSubtype="0" fill="hold" nodeType="clickEffect">
+                                  <p:stCondLst>
+                                    <p:cond delay="0"/>
+                                  </p:stCondLst>
+                                  <p:childTnLst>
+                                    <p:set>
+                                      <p:cBhvr>
+                                        <p:cTn id="10" dur="1" fill="hold">
+                                          <p:stCondLst>
+                                            <p:cond delay="0"/>
+                                          </p:stCondLst>
+                                        </p:cTn>
+                                        <p:tgtEl>
+                                          <p:spTgt spid="2"/>
+                                        </p:tgtEl>
+                                        <p:attrNameLst>
+                                          <p:attrName>style.visibility</p:attrName>
+                                        </p:attrNameLst>
+                                      </p:cBhvr>
+                                      <p:to>
+                                        <p:strVal val="visible"/>
+                                      </p:to>
+                                    </p:set>
+                                  </p:childTnLst>
+                                </p:cTn>
+                              </p:par>
+                            </p:childTnLst>
+                          </p:cTn>
+                        </p:par>
+                      </p:childTnLst>
+                    </p:cTn>
+                  </p:par>
+                  <p:par>
+                    <p:cTn id="11" fill="hold">
+                      <p:stCondLst>
+                        <p:cond delay="indefinite"/>
+                      </p:stCondLst>
+                      <p:childTnLst>
+                        <p:par>
+                          <p:cTn id="12" fill="hold">
+                            <p:stCondLst>
+                              <p:cond delay="0"/>
+                            </p:stCondLst>
+                            <p:childTnLst>
+                              <p:par>
+                                <p:cTn id="13" presetID="1" presetClass="entr" presetSubtype="0" fill="hold" nodeType="clickEffect">
+                                  <p:stCondLst>
+                                    <p:cond delay="0"/>
+                                  </p:stCondLst>
+                                  <p:childTnLst>
+                                    <p:set>
+                                      <p:cBhvr>
+                                        <p:cTn id="14" dur="1" fill="hold">
+                                          <p:stCondLst>
+                                            <p:cond delay="0"/>
+                                          </p:stCondLst>
+                                        </p:cTn>
+                                        <p:tgtEl>
+                                          <p:spTgt spid="3"/>
+                                        </p:tgtEl>
+                                        <p:attrNameLst>
+                                          <p:attrName>style.visibility</p:attrName>
+                                        </p:attrNameLst>
+                                      </p:cBhvr>
+                                      <p:to>
+                                        <p:strVal val="visible"/>
+                                      </p:to>
+                                    </p:set>
+                                  </p:childTnLst>
+                                </p:cTn>
+                              </p:par>
+                            </p:childTnLst>
+                          </p:cTn>
+                        </p:par>
+                      </p:childTnLst>
+                    </p:cTn>
+                  </p:par>
+                  <p:par>
+                    <p:cTn id="15" fill="hold">
+                      <p:stCondLst>
+                        <p:cond delay="indefinite"/>
+                      </p:stCondLst>
+                      <p:childTnLst>
+                        <p:par>
+                          <p:cTn id="16" fill="hold">
+                            <p:stCondLst>
+                              <p:cond delay="0"/>
+                            </p:stCondLst>
+                            <p:childTnLst>
+                              <p:par>
+                                <p:cTn id="17" presetID="1" presetClass="entr" presetSubtype="0" fill="hold" nodeType="clickEffect">
+                                  <p:stCondLst>
+                                    <p:cond delay="0"/>
+                                  </p:stCondLst>
+                                  <p:childTnLst>
+                                    <p:set>
+                                      <p:cBhvr>
+                                        <p:cTn id="18" dur="1" fill="hold">
+                                          <p:stCondLst>
+                                            <p:cond delay="0"/>
+                                          </p:stCondLst>
+                                        </p:cTn>
+                                        <p:tgtEl>
+                                          <p:spTgt spid="5"/>
+                                        </p:tgtEl>
+                                        <p:attrNameLst>
+                                          <p:attrName>style.visibility</p:attrName>
+                                        </p:attrNameLst>
+                                      </p:cBhvr>
+                                      <p:to>
+                                        <p:strVal val="visible"/>
+                                      </p:to>
+                                    </p:set>
+                                  </p:childTnLst>
+                                </p:cTn>
+                              </p:par>
+                            </p:childTnLst>
+                          </p:cTn>
+                        </p:par>
+                      </p:childTnLst>
+                    </p:cTn>
+                  </p:par>
+                  <p:par>
+                    <p:cTn id="19" fill="hold">
+                      <p:stCondLst>
+                        <p:cond delay="indefinite"/>
+                      </p:stCondLst>
+                      <p:childTnLst>
+                        <p:par>
+                          <p:cTn id="20" fill="hold">
+                            <p:stCondLst>
+                              <p:cond delay="0"/>
+                            </p:stCondLst>
+                            <p:childTnLst>
+                              <p:par>
+                                <p:cTn id="21" presetID="1" presetClass="entr" presetSubtype="0" fill="hold" nodeType="clickEffect">
+                                  <p:stCondLst>
+                                    <p:cond delay="0"/>
+                                  </p:stCondLst>
+                                  <p:childTnLst>
+                                    <p:set>
+                                      <p:cBhvr>
+                                        <p:cTn id="22" dur="1" fill="hold">
+                                          <p:stCondLst>
+                                            <p:cond delay="0"/>
+                                          </p:stCondLst>
+                                        </p:cTn>
+                                        <p:tgtEl>
+                                          <p:spTgt spid="14"/>
+                                        </p:tgtEl>
+                                        <p:attrNameLst>
+                                          <p:attrName>style.visibility</p:attrName>
+                                        </p:attrNameLst>
+                                      </p:cBhvr>
+                                      <p:to>
+                                        <p:strVal val="visible"/>
+                                      </p:to>
+                                    </p:set>
+                                  </p:childTnLst>
+                                </p:cTn>
+                              </p:par>
+                            </p:childTnLst>
+                          </p:cTn>
+                        </p:par>
+                      </p:childTnLst>
+                    </p:cTn>
+                  </p:par>
+                  <p:par>
+                    <p:cTn id="23" fill="hold">
+                      <p:stCondLst>
+                        <p:cond delay="indefinite"/>
+                      </p:stCondLst>
+                      <p:childTnLst>
+                        <p:par>
+                          <p:cTn id="24" fill="hold">
+                            <p:stCondLst>
+                              <p:cond delay="0"/>
+                            </p:stCondLst>
+                            <p:childTnLst>
+                              <p:par>
+                                <p:cTn id="25" presetID="1" presetClass="entr" presetSubtype="0" fill="hold" nodeType="clickEffect">
+                                  <p:stCondLst>
+                                    <p:cond delay="0"/>
+                                  </p:stCondLst>
+                                  <p:childTnLst>
+                                    <p:set>
+                                      <p:cBhvr>
+                                        <p:cTn id="26" dur="1" fill="hold">
+                                          <p:stCondLst>
+                                            <p:cond delay="0"/>
+                                          </p:stCondLst>
+                                        </p:cTn>
+                                        <p:tgtEl>
+                                          <p:spTgt spid="11"/>
+                                        </p:tgtEl>
+                                        <p:attrNameLst>
+                                          <p:attrName>style.visibility</p:attrName>
+                                        </p:attrNameLst>
+                                      </p:cBhvr>
+                                      <p:to>
+                                        <p:strVal val="visible"/>
+                                      </p:to>
+                                    </p:set>
+                                  </p:childTnLst>
+                                </p:cTn>
+                              </p:par>
+                            </p:childTnLst>
+                          </p:cTn>
+                        </p:par>
+                      </p:childTnLst>
+                    </p:cTn>
+                  </p:par>
+                </p:childTnLst>
+              </p:cTn>
+              <p:prevCondLst>
+                <p:cond evt="onPrev" delay="0">
+                  <p:tgtEl>
+                    <p:sldTgt/>
+                  </p:tgtEl>
+                </p:cond>
+              </p:prevCondLst>
+              <p:nextCondLst>
+                <p:cond evt="onNext" delay="0">
+                  <p:tgtEl>
+                    <p:sldTgt/>
+                  </p:tgtEl>
+                </p:cond>
+              </p:nextCondLst>
+            </p:seq>
+          </p:childTnLst>
+        </p:cTn>
       </p:par>
     </p:tnLst>
+    <p:bldLst>
+      <p:bldP spid="8" grpId="0"/>
+    </p:bldLst>
   </p:timing>
 </p:sld>
 </file>
 
-<file path=ppt/slides/slide3.xml><?xml version="1.0" encoding="utf-8"?>
+<file path=ppt/slides/slide4.xml><?xml version="1.0" encoding="utf-8"?>
 <p:sld xmlns:a="http://schemas.openxmlformats.org/drawingml/2006/main" xmlns:r="http://schemas.openxmlformats.org/officeDocument/2006/relationships" xmlns:p="http://schemas.openxmlformats.org/presentationml/2006/main">
   <p:cSld>
     <p:spTree>
@@ -4372,7 +5065,7 @@
 </p:sld>
 </file>
 
-<file path=ppt/slides/slide4.xml><?xml version="1.0" encoding="utf-8"?>
+<file path=ppt/slides/slide5.xml><?xml version="1.0" encoding="utf-8"?>
 <p:sld xmlns:a="http://schemas.openxmlformats.org/drawingml/2006/main" xmlns:r="http://schemas.openxmlformats.org/officeDocument/2006/relationships" xmlns:p="http://schemas.openxmlformats.org/presentationml/2006/main">
   <p:cSld>
     <p:spTree>
@@ -4480,7 +5173,7 @@
 </p:sld>
 </file>
 
-<file path=ppt/slides/slide5.xml><?xml version="1.0" encoding="utf-8"?>
+<file path=ppt/slides/slide6.xml><?xml version="1.0" encoding="utf-8"?>
 <p:sld xmlns:a="http://schemas.openxmlformats.org/drawingml/2006/main" xmlns:r="http://schemas.openxmlformats.org/officeDocument/2006/relationships" xmlns:p="http://schemas.openxmlformats.org/presentationml/2006/main">
   <p:cSld>
     <p:spTree>
